--- a/2021-01-13/レジュメ（仮）.pptx
+++ b/2021-01-13/レジュメ（仮）.pptx
@@ -10,6 +10,8 @@
     <p:sldId id="258" r:id="rId4"/>
     <p:sldId id="259" r:id="rId5"/>
     <p:sldId id="260" r:id="rId6"/>
+    <p:sldId id="261" r:id="rId7"/>
+    <p:sldId id="262" r:id="rId8"/>
   </p:sldIdLst>
   <p:sldSz cx="12192000" cy="6858000"/>
   <p:notesSz cx="6858000" cy="9144000"/>
@@ -108,6 +110,11 @@
       </a:defRPr>
     </a:lvl9pPr>
   </p:defaultTextStyle>
+  <p:extLst>
+    <p:ext uri="{EFAFB233-063F-42B5-8137-9DF3F51BA10A}">
+      <p15:sldGuideLst xmlns:p15="http://schemas.microsoft.com/office/powerpoint/2012/main"/>
+    </p:ext>
+  </p:extLst>
 </p:presentation>
 </file>
 
@@ -4656,6 +4663,2165 @@
 </p:sld>
 </file>
 
+<file path=ppt/slides/slide6.xml><?xml version="1.0" encoding="utf-8"?>
+<p:sld xmlns:a="http://schemas.openxmlformats.org/drawingml/2006/main" xmlns:r="http://schemas.openxmlformats.org/officeDocument/2006/relationships" xmlns:p="http://schemas.openxmlformats.org/presentationml/2006/main">
+  <p:cSld>
+    <p:spTree>
+      <p:nvGrpSpPr>
+        <p:cNvPr id="1" name=""/>
+        <p:cNvGrpSpPr/>
+        <p:nvPr/>
+      </p:nvGrpSpPr>
+      <p:grpSpPr>
+        <a:xfrm>
+          <a:off x="0" y="0"/>
+          <a:ext cx="0" cy="0"/>
+          <a:chOff x="0" y="0"/>
+          <a:chExt cx="0" cy="0"/>
+        </a:xfrm>
+      </p:grpSpPr>
+      <p:sp>
+        <p:nvSpPr>
+          <p:cNvPr id="2" name="タイトル 1"/>
+          <p:cNvSpPr>
+            <a:spLocks noGrp="1"/>
+          </p:cNvSpPr>
+          <p:nvPr>
+            <p:ph type="title"/>
+          </p:nvPr>
+        </p:nvSpPr>
+        <p:spPr/>
+        <p:txBody>
+          <a:bodyPr/>
+          <a:lstStyle/>
+          <a:p>
+            <a:r>
+              <a:rPr kumimoji="1" lang="ja-JP" altLang="en-US" dirty="0" smtClean="0"/>
+              <a:t>乱数のデータの正確性</a:t>
+            </a:r>
+            <a:endParaRPr kumimoji="1" lang="ja-JP" altLang="en-US" dirty="0"/>
+          </a:p>
+        </p:txBody>
+      </p:sp>
+      <p:grpSp>
+        <p:nvGrpSpPr>
+          <p:cNvPr id="24" name="グループ化 23"/>
+          <p:cNvGrpSpPr/>
+          <p:nvPr/>
+        </p:nvGrpSpPr>
+        <p:grpSpPr>
+          <a:xfrm>
+            <a:off x="1095241" y="1460646"/>
+            <a:ext cx="3605817" cy="5017427"/>
+            <a:chOff x="1095241" y="1460646"/>
+            <a:chExt cx="3605817" cy="5017427"/>
+          </a:xfrm>
+        </p:grpSpPr>
+        <p:cxnSp>
+          <p:nvCxnSpPr>
+            <p:cNvPr id="15" name="直線矢印コネクタ 14"/>
+            <p:cNvCxnSpPr>
+              <a:endCxn id="12" idx="0"/>
+            </p:cNvCxnSpPr>
+            <p:nvPr/>
+          </p:nvCxnSpPr>
+          <p:spPr>
+            <a:xfrm flipH="1">
+              <a:off x="2518088" y="1920730"/>
+              <a:ext cx="2" cy="4196735"/>
+            </a:xfrm>
+            <a:prstGeom prst="straightConnector1">
+              <a:avLst/>
+            </a:prstGeom>
+            <a:ln w="12700">
+              <a:solidFill>
+                <a:schemeClr val="tx1"/>
+              </a:solidFill>
+              <a:tailEnd type="triangle"/>
+            </a:ln>
+          </p:spPr>
+          <p:style>
+            <a:lnRef idx="1">
+              <a:schemeClr val="accent1"/>
+            </a:lnRef>
+            <a:fillRef idx="0">
+              <a:schemeClr val="accent1"/>
+            </a:fillRef>
+            <a:effectRef idx="0">
+              <a:schemeClr val="accent1"/>
+            </a:effectRef>
+            <a:fontRef idx="minor">
+              <a:schemeClr val="tx1"/>
+            </a:fontRef>
+          </p:style>
+        </p:cxnSp>
+        <p:sp>
+          <p:nvSpPr>
+            <p:cNvPr id="3" name="角丸四角形 2"/>
+            <p:cNvSpPr/>
+            <p:nvPr/>
+          </p:nvSpPr>
+          <p:spPr>
+            <a:xfrm>
+              <a:off x="1629446" y="1460646"/>
+              <a:ext cx="1777284" cy="460084"/>
+            </a:xfrm>
+            <a:prstGeom prst="roundRect">
+              <a:avLst>
+                <a:gd name="adj" fmla="val 50000"/>
+              </a:avLst>
+            </a:prstGeom>
+            <a:solidFill>
+              <a:schemeClr val="bg1"/>
+            </a:solidFill>
+            <a:ln>
+              <a:solidFill>
+                <a:schemeClr val="tx1"/>
+              </a:solidFill>
+            </a:ln>
+          </p:spPr>
+          <p:style>
+            <a:lnRef idx="2">
+              <a:schemeClr val="accent1">
+                <a:shade val="50000"/>
+              </a:schemeClr>
+            </a:lnRef>
+            <a:fillRef idx="1">
+              <a:schemeClr val="accent1"/>
+            </a:fillRef>
+            <a:effectRef idx="0">
+              <a:schemeClr val="accent1"/>
+            </a:effectRef>
+            <a:fontRef idx="minor">
+              <a:schemeClr val="lt1"/>
+            </a:fontRef>
+          </p:style>
+          <p:txBody>
+            <a:bodyPr rtlCol="0" anchor="ctr"/>
+            <a:lstStyle/>
+            <a:p>
+              <a:pPr algn="ctr"/>
+              <a:r>
+                <a:rPr kumimoji="1" lang="en-US" altLang="ja-JP" dirty="0" err="1" smtClean="0">
+                  <a:solidFill>
+                    <a:schemeClr val="tx1"/>
+                  </a:solidFill>
+                  <a:latin typeface="HGPｺﾞｼｯｸE" panose="020B0900000000000000" pitchFamily="50" charset="-128"/>
+                  <a:ea typeface="HGPｺﾞｼｯｸE" panose="020B0900000000000000" pitchFamily="50" charset="-128"/>
+                </a:rPr>
+                <a:t>doAction</a:t>
+              </a:r>
+              <a:r>
+                <a:rPr kumimoji="1" lang="en-US" altLang="ja-JP" dirty="0" smtClean="0">
+                  <a:solidFill>
+                    <a:schemeClr val="tx1"/>
+                  </a:solidFill>
+                  <a:latin typeface="HGPｺﾞｼｯｸE" panose="020B0900000000000000" pitchFamily="50" charset="-128"/>
+                  <a:ea typeface="HGPｺﾞｼｯｸE" panose="020B0900000000000000" pitchFamily="50" charset="-128"/>
+                </a:rPr>
+                <a:t>()</a:t>
+              </a:r>
+              <a:endParaRPr kumimoji="1" lang="ja-JP" altLang="en-US" dirty="0">
+                <a:solidFill>
+                  <a:schemeClr val="tx1"/>
+                </a:solidFill>
+                <a:latin typeface="HGPｺﾞｼｯｸE" panose="020B0900000000000000" pitchFamily="50" charset="-128"/>
+                <a:ea typeface="HGPｺﾞｼｯｸE" panose="020B0900000000000000" pitchFamily="50" charset="-128"/>
+              </a:endParaRPr>
+            </a:p>
+          </p:txBody>
+        </p:sp>
+        <p:sp>
+          <p:nvSpPr>
+            <p:cNvPr id="4" name="テキスト ボックス 3"/>
+            <p:cNvSpPr txBox="1"/>
+            <p:nvPr/>
+          </p:nvSpPr>
+          <p:spPr>
+            <a:xfrm>
+              <a:off x="1153464" y="2073499"/>
+              <a:ext cx="2729248" cy="369332"/>
+            </a:xfrm>
+            <a:prstGeom prst="rect">
+              <a:avLst/>
+            </a:prstGeom>
+            <a:solidFill>
+              <a:schemeClr val="bg1"/>
+            </a:solidFill>
+            <a:ln>
+              <a:solidFill>
+                <a:schemeClr val="tx1"/>
+              </a:solidFill>
+            </a:ln>
+          </p:spPr>
+          <p:txBody>
+            <a:bodyPr wrap="square" rtlCol="0">
+              <a:spAutoFit/>
+            </a:bodyPr>
+            <a:lstStyle/>
+            <a:p>
+              <a:pPr algn="ctr"/>
+              <a:r>
+                <a:rPr kumimoji="1" lang="en-US" altLang="ja-JP" dirty="0" smtClean="0"/>
+                <a:t>value0  </a:t>
+              </a:r>
+              <a:r>
+                <a:rPr kumimoji="1" lang="ja-JP" altLang="en-US" dirty="0" smtClean="0"/>
+                <a:t>←　</a:t>
+              </a:r>
+              <a:r>
+                <a:rPr kumimoji="1" lang="en-US" altLang="ja-JP" dirty="0" smtClean="0"/>
+                <a:t>0</a:t>
+              </a:r>
+              <a:endParaRPr kumimoji="1" lang="ja-JP" altLang="en-US" dirty="0"/>
+            </a:p>
+          </p:txBody>
+        </p:sp>
+        <p:sp>
+          <p:nvSpPr>
+            <p:cNvPr id="5" name="片側の 2 つの角を切り取った四角形 4"/>
+            <p:cNvSpPr/>
+            <p:nvPr/>
+          </p:nvSpPr>
+          <p:spPr>
+            <a:xfrm>
+              <a:off x="1153464" y="2595600"/>
+              <a:ext cx="2729248" cy="598361"/>
+            </a:xfrm>
+            <a:prstGeom prst="snip2SameRect">
+              <a:avLst>
+                <a:gd name="adj1" fmla="val 24440"/>
+                <a:gd name="adj2" fmla="val 0"/>
+              </a:avLst>
+            </a:prstGeom>
+            <a:solidFill>
+              <a:schemeClr val="bg1"/>
+            </a:solidFill>
+            <a:ln>
+              <a:solidFill>
+                <a:schemeClr val="tx1"/>
+              </a:solidFill>
+            </a:ln>
+          </p:spPr>
+          <p:style>
+            <a:lnRef idx="2">
+              <a:schemeClr val="accent1">
+                <a:shade val="50000"/>
+              </a:schemeClr>
+            </a:lnRef>
+            <a:fillRef idx="1">
+              <a:schemeClr val="accent1"/>
+            </a:fillRef>
+            <a:effectRef idx="0">
+              <a:schemeClr val="accent1"/>
+            </a:effectRef>
+            <a:fontRef idx="minor">
+              <a:schemeClr val="lt1"/>
+            </a:fontRef>
+          </p:style>
+          <p:txBody>
+            <a:bodyPr rtlCol="0" anchor="ctr"/>
+            <a:lstStyle/>
+            <a:p>
+              <a:pPr algn="ctr"/>
+              <a:r>
+                <a:rPr kumimoji="1" lang="en-US" altLang="ja-JP" dirty="0" err="1" smtClean="0">
+                  <a:solidFill>
+                    <a:schemeClr val="tx1"/>
+                  </a:solidFill>
+                </a:rPr>
+                <a:t>i</a:t>
+              </a:r>
+              <a:r>
+                <a:rPr kumimoji="1" lang="en-US" altLang="ja-JP" dirty="0" smtClean="0">
+                  <a:solidFill>
+                    <a:schemeClr val="tx1"/>
+                  </a:solidFill>
+                </a:rPr>
+                <a:t> = 1, 2, 3, … ,10000</a:t>
+              </a:r>
+              <a:endParaRPr kumimoji="1" lang="ja-JP" altLang="en-US" dirty="0">
+                <a:solidFill>
+                  <a:schemeClr val="tx1"/>
+                </a:solidFill>
+              </a:endParaRPr>
+            </a:p>
+          </p:txBody>
+        </p:sp>
+        <p:sp>
+          <p:nvSpPr>
+            <p:cNvPr id="6" name="ひし形 5"/>
+            <p:cNvSpPr/>
+            <p:nvPr/>
+          </p:nvSpPr>
+          <p:spPr>
+            <a:xfrm>
+              <a:off x="1095241" y="4378621"/>
+              <a:ext cx="2845695" cy="579549"/>
+            </a:xfrm>
+            <a:prstGeom prst="diamond">
+              <a:avLst/>
+            </a:prstGeom>
+            <a:solidFill>
+              <a:schemeClr val="bg1"/>
+            </a:solidFill>
+            <a:ln>
+              <a:solidFill>
+                <a:schemeClr val="tx1"/>
+              </a:solidFill>
+            </a:ln>
+          </p:spPr>
+          <p:style>
+            <a:lnRef idx="2">
+              <a:schemeClr val="accent1">
+                <a:shade val="50000"/>
+              </a:schemeClr>
+            </a:lnRef>
+            <a:fillRef idx="1">
+              <a:schemeClr val="accent1"/>
+            </a:fillRef>
+            <a:effectRef idx="0">
+              <a:schemeClr val="accent1"/>
+            </a:effectRef>
+            <a:fontRef idx="minor">
+              <a:schemeClr val="lt1"/>
+            </a:fontRef>
+          </p:style>
+          <p:txBody>
+            <a:bodyPr rtlCol="0" anchor="ctr"/>
+            <a:lstStyle/>
+            <a:p>
+              <a:pPr algn="ctr"/>
+              <a:r>
+                <a:rPr lang="en-US" altLang="ja-JP" dirty="0" err="1" smtClean="0">
+                  <a:solidFill>
+                    <a:schemeClr val="tx1"/>
+                  </a:solidFill>
+                </a:rPr>
+                <a:t>i</a:t>
+              </a:r>
+              <a:r>
+                <a:rPr lang="en-US" altLang="ja-JP" dirty="0" smtClean="0">
+                  <a:solidFill>
+                    <a:schemeClr val="tx1"/>
+                  </a:solidFill>
+                </a:rPr>
+                <a:t> = 0</a:t>
+              </a:r>
+              <a:endParaRPr kumimoji="1" lang="ja-JP" altLang="en-US" dirty="0">
+                <a:solidFill>
+                  <a:schemeClr val="tx1"/>
+                </a:solidFill>
+              </a:endParaRPr>
+            </a:p>
+          </p:txBody>
+        </p:sp>
+        <p:sp>
+          <p:nvSpPr>
+            <p:cNvPr id="7" name="テキスト ボックス 6"/>
+            <p:cNvSpPr txBox="1"/>
+            <p:nvPr/>
+          </p:nvSpPr>
+          <p:spPr>
+            <a:xfrm>
+              <a:off x="1153464" y="3358213"/>
+              <a:ext cx="2729248" cy="369332"/>
+            </a:xfrm>
+            <a:prstGeom prst="rect">
+              <a:avLst/>
+            </a:prstGeom>
+            <a:solidFill>
+              <a:schemeClr val="bg1"/>
+            </a:solidFill>
+            <a:ln>
+              <a:solidFill>
+                <a:schemeClr val="tx1"/>
+              </a:solidFill>
+            </a:ln>
+          </p:spPr>
+          <p:txBody>
+            <a:bodyPr wrap="square" rtlCol="0">
+              <a:spAutoFit/>
+            </a:bodyPr>
+            <a:lstStyle/>
+            <a:p>
+              <a:pPr algn="ctr"/>
+              <a:r>
+                <a:rPr lang="en-US" altLang="ja-JP" dirty="0" smtClean="0"/>
+                <a:t>a </a:t>
+              </a:r>
+              <a:r>
+                <a:rPr lang="ja-JP" altLang="en-US" dirty="0" smtClean="0"/>
+                <a:t>←　</a:t>
+              </a:r>
+              <a:r>
+                <a:rPr lang="en-US" altLang="ja-JP" dirty="0" err="1" smtClean="0"/>
+                <a:t>Math.random</a:t>
+              </a:r>
+              <a:r>
+                <a:rPr lang="en-US" altLang="ja-JP" dirty="0" smtClean="0"/>
+                <a:t>()</a:t>
+              </a:r>
+              <a:endParaRPr kumimoji="1" lang="ja-JP" altLang="en-US" dirty="0"/>
+            </a:p>
+          </p:txBody>
+        </p:sp>
+        <p:sp>
+          <p:nvSpPr>
+            <p:cNvPr id="8" name="テキスト ボックス 7"/>
+            <p:cNvSpPr txBox="1"/>
+            <p:nvPr/>
+          </p:nvSpPr>
+          <p:spPr>
+            <a:xfrm>
+              <a:off x="1153464" y="3868417"/>
+              <a:ext cx="2729248" cy="369332"/>
+            </a:xfrm>
+            <a:prstGeom prst="rect">
+              <a:avLst/>
+            </a:prstGeom>
+            <a:solidFill>
+              <a:schemeClr val="bg1"/>
+            </a:solidFill>
+            <a:ln>
+              <a:solidFill>
+                <a:schemeClr val="tx1"/>
+              </a:solidFill>
+            </a:ln>
+          </p:spPr>
+          <p:txBody>
+            <a:bodyPr wrap="square" rtlCol="0">
+              <a:spAutoFit/>
+            </a:bodyPr>
+            <a:lstStyle/>
+            <a:p>
+              <a:pPr algn="ctr"/>
+              <a:r>
+                <a:rPr lang="en-US" altLang="ja-JP" dirty="0"/>
+                <a:t>b</a:t>
+              </a:r>
+              <a:r>
+                <a:rPr lang="en-US" altLang="ja-JP" dirty="0" smtClean="0"/>
+                <a:t> </a:t>
+              </a:r>
+              <a:r>
+                <a:rPr lang="ja-JP" altLang="en-US" dirty="0" smtClean="0"/>
+                <a:t>←　</a:t>
+              </a:r>
+              <a:r>
+                <a:rPr lang="en-US" altLang="ja-JP" dirty="0" err="1" smtClean="0"/>
+                <a:t>Math.floor</a:t>
+              </a:r>
+              <a:r>
+                <a:rPr lang="en-US" altLang="ja-JP" dirty="0" smtClean="0"/>
+                <a:t>( a)</a:t>
+              </a:r>
+              <a:endParaRPr kumimoji="1" lang="ja-JP" altLang="en-US" dirty="0"/>
+            </a:p>
+          </p:txBody>
+        </p:sp>
+        <p:sp>
+          <p:nvSpPr>
+            <p:cNvPr id="9" name="テキスト ボックス 8"/>
+            <p:cNvSpPr txBox="1"/>
+            <p:nvPr/>
+          </p:nvSpPr>
+          <p:spPr>
+            <a:xfrm>
+              <a:off x="2015812" y="4912205"/>
+              <a:ext cx="1004553" cy="369332"/>
+            </a:xfrm>
+            <a:prstGeom prst="rect">
+              <a:avLst/>
+            </a:prstGeom>
+            <a:noFill/>
+          </p:spPr>
+          <p:txBody>
+            <a:bodyPr wrap="square" rtlCol="0">
+              <a:spAutoFit/>
+            </a:bodyPr>
+            <a:lstStyle/>
+            <a:p>
+              <a:r>
+                <a:rPr kumimoji="1" lang="en-US" altLang="ja-JP" dirty="0" smtClean="0"/>
+                <a:t>Yes</a:t>
+              </a:r>
+              <a:endParaRPr kumimoji="1" lang="ja-JP" altLang="en-US" dirty="0"/>
+            </a:p>
+          </p:txBody>
+        </p:sp>
+        <p:sp>
+          <p:nvSpPr>
+            <p:cNvPr id="10" name="テキスト ボックス 9"/>
+            <p:cNvSpPr txBox="1"/>
+            <p:nvPr/>
+          </p:nvSpPr>
+          <p:spPr>
+            <a:xfrm>
+              <a:off x="3683091" y="4299063"/>
+              <a:ext cx="1017967" cy="369332"/>
+            </a:xfrm>
+            <a:prstGeom prst="rect">
+              <a:avLst/>
+            </a:prstGeom>
+            <a:noFill/>
+          </p:spPr>
+          <p:txBody>
+            <a:bodyPr wrap="square" rtlCol="0">
+              <a:spAutoFit/>
+            </a:bodyPr>
+            <a:lstStyle/>
+            <a:p>
+              <a:r>
+                <a:rPr kumimoji="1" lang="en-US" altLang="ja-JP" dirty="0" smtClean="0"/>
+                <a:t>No</a:t>
+              </a:r>
+              <a:endParaRPr kumimoji="1" lang="ja-JP" altLang="en-US" dirty="0"/>
+            </a:p>
+          </p:txBody>
+        </p:sp>
+        <p:sp>
+          <p:nvSpPr>
+            <p:cNvPr id="11" name="テキスト ボックス 10"/>
+            <p:cNvSpPr txBox="1"/>
+            <p:nvPr/>
+          </p:nvSpPr>
+          <p:spPr>
+            <a:xfrm>
+              <a:off x="1153464" y="5307088"/>
+              <a:ext cx="2729248" cy="369332"/>
+            </a:xfrm>
+            <a:prstGeom prst="rect">
+              <a:avLst/>
+            </a:prstGeom>
+            <a:solidFill>
+              <a:schemeClr val="bg1"/>
+            </a:solidFill>
+            <a:ln>
+              <a:solidFill>
+                <a:schemeClr val="tx1"/>
+              </a:solidFill>
+            </a:ln>
+          </p:spPr>
+          <p:txBody>
+            <a:bodyPr wrap="square" rtlCol="0">
+              <a:spAutoFit/>
+            </a:bodyPr>
+            <a:lstStyle/>
+            <a:p>
+              <a:pPr algn="ctr"/>
+              <a:r>
+                <a:rPr kumimoji="1" lang="en-US" altLang="ja-JP" dirty="0" smtClean="0"/>
+                <a:t>value0  </a:t>
+              </a:r>
+              <a:r>
+                <a:rPr kumimoji="1" lang="ja-JP" altLang="en-US" dirty="0" smtClean="0"/>
+                <a:t>←　</a:t>
+              </a:r>
+              <a:r>
+                <a:rPr kumimoji="1" lang="en-US" altLang="ja-JP" dirty="0" smtClean="0"/>
+                <a:t>0</a:t>
+              </a:r>
+              <a:endParaRPr kumimoji="1" lang="ja-JP" altLang="en-US" dirty="0"/>
+            </a:p>
+          </p:txBody>
+        </p:sp>
+        <p:sp>
+          <p:nvSpPr>
+            <p:cNvPr id="12" name="円/楕円 11"/>
+            <p:cNvSpPr/>
+            <p:nvPr/>
+          </p:nvSpPr>
+          <p:spPr>
+            <a:xfrm>
+              <a:off x="2337784" y="6117465"/>
+              <a:ext cx="360608" cy="360608"/>
+            </a:xfrm>
+            <a:prstGeom prst="ellipse">
+              <a:avLst/>
+            </a:prstGeom>
+            <a:solidFill>
+              <a:schemeClr val="bg1"/>
+            </a:solidFill>
+            <a:ln>
+              <a:solidFill>
+                <a:schemeClr val="tx1"/>
+              </a:solidFill>
+            </a:ln>
+          </p:spPr>
+          <p:style>
+            <a:lnRef idx="2">
+              <a:schemeClr val="accent1">
+                <a:shade val="50000"/>
+              </a:schemeClr>
+            </a:lnRef>
+            <a:fillRef idx="1">
+              <a:schemeClr val="accent1"/>
+            </a:fillRef>
+            <a:effectRef idx="0">
+              <a:schemeClr val="accent1"/>
+            </a:effectRef>
+            <a:fontRef idx="minor">
+              <a:schemeClr val="lt1"/>
+            </a:fontRef>
+          </p:style>
+          <p:txBody>
+            <a:bodyPr rtlCol="0" anchor="ctr"/>
+            <a:lstStyle/>
+            <a:p>
+              <a:pPr algn="ctr"/>
+              <a:r>
+                <a:rPr kumimoji="1" lang="en-US" altLang="ja-JP" dirty="0" smtClean="0">
+                  <a:solidFill>
+                    <a:schemeClr val="tx1"/>
+                  </a:solidFill>
+                </a:rPr>
+                <a:t>1</a:t>
+              </a:r>
+              <a:endParaRPr kumimoji="1" lang="ja-JP" altLang="en-US" dirty="0">
+                <a:solidFill>
+                  <a:schemeClr val="tx1"/>
+                </a:solidFill>
+              </a:endParaRPr>
+            </a:p>
+          </p:txBody>
+        </p:sp>
+        <p:cxnSp>
+          <p:nvCxnSpPr>
+            <p:cNvPr id="20" name="カギ線コネクタ 19"/>
+            <p:cNvCxnSpPr>
+              <a:stCxn id="6" idx="3"/>
+              <a:endCxn id="12" idx="0"/>
+            </p:cNvCxnSpPr>
+            <p:nvPr/>
+          </p:nvCxnSpPr>
+          <p:spPr>
+            <a:xfrm flipH="1">
+              <a:off x="2518088" y="4668396"/>
+              <a:ext cx="1422848" cy="1449069"/>
+            </a:xfrm>
+            <a:prstGeom prst="bentConnector4">
+              <a:avLst>
+                <a:gd name="adj1" fmla="val -16066"/>
+                <a:gd name="adj2" fmla="val 84885"/>
+              </a:avLst>
+            </a:prstGeom>
+            <a:ln>
+              <a:solidFill>
+                <a:schemeClr val="tx1"/>
+              </a:solidFill>
+              <a:tailEnd type="triangle"/>
+            </a:ln>
+          </p:spPr>
+          <p:style>
+            <a:lnRef idx="1">
+              <a:schemeClr val="accent1"/>
+            </a:lnRef>
+            <a:fillRef idx="0">
+              <a:schemeClr val="accent1"/>
+            </a:fillRef>
+            <a:effectRef idx="0">
+              <a:schemeClr val="accent1"/>
+            </a:effectRef>
+            <a:fontRef idx="minor">
+              <a:schemeClr val="tx1"/>
+            </a:fontRef>
+          </p:style>
+        </p:cxnSp>
+      </p:grpSp>
+      <p:grpSp>
+        <p:nvGrpSpPr>
+          <p:cNvPr id="37" name="グループ化 36"/>
+          <p:cNvGrpSpPr/>
+          <p:nvPr/>
+        </p:nvGrpSpPr>
+        <p:grpSpPr>
+          <a:xfrm>
+            <a:off x="6868728" y="1573011"/>
+            <a:ext cx="2717442" cy="1752932"/>
+            <a:chOff x="6868728" y="1573011"/>
+            <a:chExt cx="2717442" cy="1752932"/>
+          </a:xfrm>
+        </p:grpSpPr>
+        <p:sp>
+          <p:nvSpPr>
+            <p:cNvPr id="13" name="円/楕円 12"/>
+            <p:cNvSpPr/>
+            <p:nvPr/>
+          </p:nvSpPr>
+          <p:spPr>
+            <a:xfrm>
+              <a:off x="8047146" y="1573011"/>
+              <a:ext cx="360608" cy="360608"/>
+            </a:xfrm>
+            <a:prstGeom prst="ellipse">
+              <a:avLst/>
+            </a:prstGeom>
+            <a:solidFill>
+              <a:schemeClr val="bg1"/>
+            </a:solidFill>
+            <a:ln>
+              <a:solidFill>
+                <a:schemeClr val="tx1"/>
+              </a:solidFill>
+            </a:ln>
+          </p:spPr>
+          <p:style>
+            <a:lnRef idx="2">
+              <a:schemeClr val="accent1">
+                <a:shade val="50000"/>
+              </a:schemeClr>
+            </a:lnRef>
+            <a:fillRef idx="1">
+              <a:schemeClr val="accent1"/>
+            </a:fillRef>
+            <a:effectRef idx="0">
+              <a:schemeClr val="accent1"/>
+            </a:effectRef>
+            <a:fontRef idx="minor">
+              <a:schemeClr val="lt1"/>
+            </a:fontRef>
+          </p:style>
+          <p:txBody>
+            <a:bodyPr rtlCol="0" anchor="ctr"/>
+            <a:lstStyle/>
+            <a:p>
+              <a:pPr algn="ctr"/>
+              <a:r>
+                <a:rPr kumimoji="1" lang="en-US" altLang="ja-JP" dirty="0" smtClean="0">
+                  <a:solidFill>
+                    <a:schemeClr val="tx1"/>
+                  </a:solidFill>
+                </a:rPr>
+                <a:t>1</a:t>
+              </a:r>
+              <a:endParaRPr kumimoji="1" lang="ja-JP" altLang="en-US" dirty="0">
+                <a:solidFill>
+                  <a:schemeClr val="tx1"/>
+                </a:solidFill>
+              </a:endParaRPr>
+            </a:p>
+          </p:txBody>
+        </p:sp>
+        <p:sp>
+          <p:nvSpPr>
+            <p:cNvPr id="25" name="角丸四角形 24"/>
+            <p:cNvSpPr/>
+            <p:nvPr/>
+          </p:nvSpPr>
+          <p:spPr>
+            <a:xfrm>
+              <a:off x="7087669" y="2894780"/>
+              <a:ext cx="2279561" cy="431163"/>
+            </a:xfrm>
+            <a:prstGeom prst="roundRect">
+              <a:avLst>
+                <a:gd name="adj" fmla="val 50000"/>
+              </a:avLst>
+            </a:prstGeom>
+            <a:solidFill>
+              <a:schemeClr val="bg1"/>
+            </a:solidFill>
+            <a:ln>
+              <a:solidFill>
+                <a:schemeClr val="tx1"/>
+              </a:solidFill>
+            </a:ln>
+          </p:spPr>
+          <p:style>
+            <a:lnRef idx="2">
+              <a:schemeClr val="accent1">
+                <a:shade val="50000"/>
+              </a:schemeClr>
+            </a:lnRef>
+            <a:fillRef idx="1">
+              <a:schemeClr val="accent1"/>
+            </a:fillRef>
+            <a:effectRef idx="0">
+              <a:schemeClr val="accent1"/>
+            </a:effectRef>
+            <a:fontRef idx="minor">
+              <a:schemeClr val="lt1"/>
+            </a:fontRef>
+          </p:style>
+          <p:txBody>
+            <a:bodyPr rtlCol="0" anchor="ctr"/>
+            <a:lstStyle/>
+            <a:p>
+              <a:pPr algn="ctr"/>
+              <a:r>
+                <a:rPr kumimoji="1" lang="en-US" altLang="ja-JP" dirty="0" smtClean="0">
+                  <a:solidFill>
+                    <a:schemeClr val="tx1"/>
+                  </a:solidFill>
+                </a:rPr>
+                <a:t>End</a:t>
+              </a:r>
+              <a:endParaRPr kumimoji="1" lang="ja-JP" altLang="en-US" dirty="0">
+                <a:solidFill>
+                  <a:schemeClr val="tx1"/>
+                </a:solidFill>
+              </a:endParaRPr>
+            </a:p>
+          </p:txBody>
+        </p:sp>
+        <p:cxnSp>
+          <p:nvCxnSpPr>
+            <p:cNvPr id="28" name="直線矢印コネクタ 27"/>
+            <p:cNvCxnSpPr>
+              <a:endCxn id="25" idx="0"/>
+            </p:cNvCxnSpPr>
+            <p:nvPr/>
+          </p:nvCxnSpPr>
+          <p:spPr>
+            <a:xfrm>
+              <a:off x="8227450" y="1933619"/>
+              <a:ext cx="0" cy="961161"/>
+            </a:xfrm>
+            <a:prstGeom prst="straightConnector1">
+              <a:avLst/>
+            </a:prstGeom>
+            <a:ln w="12700">
+              <a:solidFill>
+                <a:schemeClr val="tx1"/>
+              </a:solidFill>
+              <a:tailEnd type="triangle"/>
+            </a:ln>
+          </p:spPr>
+          <p:style>
+            <a:lnRef idx="1">
+              <a:schemeClr val="accent1"/>
+            </a:lnRef>
+            <a:fillRef idx="0">
+              <a:schemeClr val="accent1"/>
+            </a:fillRef>
+            <a:effectRef idx="0">
+              <a:schemeClr val="accent1"/>
+            </a:effectRef>
+            <a:fontRef idx="minor">
+              <a:schemeClr val="tx1"/>
+            </a:fontRef>
+          </p:style>
+        </p:cxnSp>
+        <p:sp>
+          <p:nvSpPr>
+            <p:cNvPr id="35" name="平行四辺形 34"/>
+            <p:cNvSpPr/>
+            <p:nvPr/>
+          </p:nvSpPr>
+          <p:spPr>
+            <a:xfrm>
+              <a:off x="6868728" y="2144043"/>
+              <a:ext cx="2717442" cy="540313"/>
+            </a:xfrm>
+            <a:prstGeom prst="parallelogram">
+              <a:avLst/>
+            </a:prstGeom>
+            <a:solidFill>
+              <a:schemeClr val="bg1"/>
+            </a:solidFill>
+            <a:ln>
+              <a:solidFill>
+                <a:schemeClr val="tx1"/>
+              </a:solidFill>
+            </a:ln>
+          </p:spPr>
+          <p:style>
+            <a:lnRef idx="2">
+              <a:schemeClr val="accent1">
+                <a:shade val="50000"/>
+              </a:schemeClr>
+            </a:lnRef>
+            <a:fillRef idx="1">
+              <a:schemeClr val="accent1"/>
+            </a:fillRef>
+            <a:effectRef idx="0">
+              <a:schemeClr val="accent1"/>
+            </a:effectRef>
+            <a:fontRef idx="minor">
+              <a:schemeClr val="lt1"/>
+            </a:fontRef>
+          </p:style>
+          <p:txBody>
+            <a:bodyPr rtlCol="0" anchor="ctr"/>
+            <a:lstStyle/>
+            <a:p>
+              <a:pPr algn="ctr"/>
+              <a:r>
+                <a:rPr lang="en-US" altLang="ja-JP" dirty="0" smtClean="0">
+                  <a:solidFill>
+                    <a:schemeClr val="tx1"/>
+                  </a:solidFill>
+                </a:rPr>
+                <a:t>alert( a /  10000 )</a:t>
+              </a:r>
+              <a:endParaRPr kumimoji="1" lang="ja-JP" altLang="en-US" dirty="0">
+                <a:solidFill>
+                  <a:schemeClr val="tx1"/>
+                </a:solidFill>
+              </a:endParaRPr>
+            </a:p>
+          </p:txBody>
+        </p:sp>
+      </p:grpSp>
+    </p:spTree>
+    <p:extLst>
+      <p:ext uri="{BB962C8B-B14F-4D97-AF65-F5344CB8AC3E}">
+        <p14:creationId xmlns:p14="http://schemas.microsoft.com/office/powerpoint/2010/main" val="227833833"/>
+      </p:ext>
+    </p:extLst>
+  </p:cSld>
+  <p:clrMapOvr>
+    <a:masterClrMapping/>
+  </p:clrMapOvr>
+</p:sld>
+</file>
+
+<file path=ppt/slides/slide7.xml><?xml version="1.0" encoding="utf-8"?>
+<p:sld xmlns:a="http://schemas.openxmlformats.org/drawingml/2006/main" xmlns:r="http://schemas.openxmlformats.org/officeDocument/2006/relationships" xmlns:p="http://schemas.openxmlformats.org/presentationml/2006/main">
+  <p:cSld>
+    <p:spTree>
+      <p:nvGrpSpPr>
+        <p:cNvPr id="1" name=""/>
+        <p:cNvGrpSpPr/>
+        <p:nvPr/>
+      </p:nvGrpSpPr>
+      <p:grpSpPr>
+        <a:xfrm>
+          <a:off x="0" y="0"/>
+          <a:ext cx="0" cy="0"/>
+          <a:chOff x="0" y="0"/>
+          <a:chExt cx="0" cy="0"/>
+        </a:xfrm>
+      </p:grpSpPr>
+      <p:sp>
+        <p:nvSpPr>
+          <p:cNvPr id="2" name="タイトル 1"/>
+          <p:cNvSpPr>
+            <a:spLocks noGrp="1"/>
+          </p:cNvSpPr>
+          <p:nvPr>
+            <p:ph type="title"/>
+          </p:nvPr>
+        </p:nvSpPr>
+        <p:spPr/>
+        <p:txBody>
+          <a:bodyPr/>
+          <a:lstStyle/>
+          <a:p>
+            <a:r>
+              <a:rPr kumimoji="1" lang="ja-JP" altLang="en-US" dirty="0" smtClean="0"/>
+              <a:t>乱数のデータの正確性</a:t>
+            </a:r>
+            <a:endParaRPr kumimoji="1" lang="ja-JP" altLang="en-US" dirty="0"/>
+          </a:p>
+        </p:txBody>
+      </p:sp>
+      <p:cxnSp>
+        <p:nvCxnSpPr>
+          <p:cNvPr id="15" name="直線矢印コネクタ 14"/>
+          <p:cNvCxnSpPr>
+            <a:stCxn id="3" idx="2"/>
+            <a:endCxn id="12" idx="0"/>
+          </p:cNvCxnSpPr>
+          <p:nvPr/>
+        </p:nvCxnSpPr>
+        <p:spPr>
+          <a:xfrm>
+            <a:off x="2597107" y="1806707"/>
+            <a:ext cx="0" cy="4463527"/>
+          </a:xfrm>
+          <a:prstGeom prst="straightConnector1">
+            <a:avLst/>
+          </a:prstGeom>
+          <a:ln w="12700">
+            <a:solidFill>
+              <a:schemeClr val="tx1"/>
+            </a:solidFill>
+            <a:tailEnd type="triangle"/>
+          </a:ln>
+        </p:spPr>
+        <p:style>
+          <a:lnRef idx="1">
+            <a:schemeClr val="accent1"/>
+          </a:lnRef>
+          <a:fillRef idx="0">
+            <a:schemeClr val="accent1"/>
+          </a:fillRef>
+          <a:effectRef idx="0">
+            <a:schemeClr val="accent1"/>
+          </a:effectRef>
+          <a:fontRef idx="minor">
+            <a:schemeClr val="tx1"/>
+          </a:fontRef>
+        </p:style>
+      </p:cxnSp>
+      <p:sp>
+        <p:nvSpPr>
+          <p:cNvPr id="3" name="角丸四角形 2"/>
+          <p:cNvSpPr/>
+          <p:nvPr/>
+        </p:nvSpPr>
+        <p:spPr>
+          <a:xfrm>
+            <a:off x="1708465" y="1346623"/>
+            <a:ext cx="1777284" cy="460084"/>
+          </a:xfrm>
+          <a:prstGeom prst="roundRect">
+            <a:avLst>
+              <a:gd name="adj" fmla="val 50000"/>
+            </a:avLst>
+          </a:prstGeom>
+          <a:solidFill>
+            <a:schemeClr val="bg1"/>
+          </a:solidFill>
+          <a:ln>
+            <a:solidFill>
+              <a:schemeClr val="tx1"/>
+            </a:solidFill>
+          </a:ln>
+        </p:spPr>
+        <p:style>
+          <a:lnRef idx="2">
+            <a:schemeClr val="accent1">
+              <a:shade val="50000"/>
+            </a:schemeClr>
+          </a:lnRef>
+          <a:fillRef idx="1">
+            <a:schemeClr val="accent1"/>
+          </a:fillRef>
+          <a:effectRef idx="0">
+            <a:schemeClr val="accent1"/>
+          </a:effectRef>
+          <a:fontRef idx="minor">
+            <a:schemeClr val="lt1"/>
+          </a:fontRef>
+        </p:style>
+        <p:txBody>
+          <a:bodyPr rtlCol="0" anchor="ctr"/>
+          <a:lstStyle/>
+          <a:p>
+            <a:pPr algn="ctr"/>
+            <a:r>
+              <a:rPr kumimoji="1" lang="en-US" altLang="ja-JP" dirty="0" err="1" smtClean="0">
+                <a:solidFill>
+                  <a:schemeClr val="tx1"/>
+                </a:solidFill>
+                <a:latin typeface="HGPｺﾞｼｯｸE" panose="020B0900000000000000" pitchFamily="50" charset="-128"/>
+                <a:ea typeface="HGPｺﾞｼｯｸE" panose="020B0900000000000000" pitchFamily="50" charset="-128"/>
+              </a:rPr>
+              <a:t>doAction</a:t>
+            </a:r>
+            <a:r>
+              <a:rPr kumimoji="1" lang="en-US" altLang="ja-JP" dirty="0" smtClean="0">
+                <a:solidFill>
+                  <a:schemeClr val="tx1"/>
+                </a:solidFill>
+                <a:latin typeface="HGPｺﾞｼｯｸE" panose="020B0900000000000000" pitchFamily="50" charset="-128"/>
+                <a:ea typeface="HGPｺﾞｼｯｸE" panose="020B0900000000000000" pitchFamily="50" charset="-128"/>
+              </a:rPr>
+              <a:t>()</a:t>
+            </a:r>
+            <a:endParaRPr kumimoji="1" lang="ja-JP" altLang="en-US" dirty="0">
+              <a:solidFill>
+                <a:schemeClr val="tx1"/>
+              </a:solidFill>
+              <a:latin typeface="HGPｺﾞｼｯｸE" panose="020B0900000000000000" pitchFamily="50" charset="-128"/>
+              <a:ea typeface="HGPｺﾞｼｯｸE" panose="020B0900000000000000" pitchFamily="50" charset="-128"/>
+            </a:endParaRPr>
+          </a:p>
+        </p:txBody>
+      </p:sp>
+      <p:sp>
+        <p:nvSpPr>
+          <p:cNvPr id="4" name="テキスト ボックス 3"/>
+          <p:cNvSpPr txBox="1"/>
+          <p:nvPr/>
+        </p:nvSpPr>
+        <p:spPr>
+          <a:xfrm>
+            <a:off x="1232483" y="1893087"/>
+            <a:ext cx="2729248" cy="369332"/>
+          </a:xfrm>
+          <a:prstGeom prst="rect">
+            <a:avLst/>
+          </a:prstGeom>
+          <a:solidFill>
+            <a:schemeClr val="bg1"/>
+          </a:solidFill>
+          <a:ln>
+            <a:solidFill>
+              <a:schemeClr val="tx1"/>
+            </a:solidFill>
+          </a:ln>
+        </p:spPr>
+        <p:txBody>
+          <a:bodyPr wrap="square" rtlCol="0">
+            <a:spAutoFit/>
+          </a:bodyPr>
+          <a:lstStyle/>
+          <a:p>
+            <a:pPr algn="ctr"/>
+            <a:r>
+              <a:rPr kumimoji="1" lang="en-US" altLang="ja-JP" dirty="0" smtClean="0"/>
+              <a:t>value0  </a:t>
+            </a:r>
+            <a:r>
+              <a:rPr kumimoji="1" lang="ja-JP" altLang="en-US" dirty="0" smtClean="0"/>
+              <a:t>←　</a:t>
+            </a:r>
+            <a:r>
+              <a:rPr kumimoji="1" lang="en-US" altLang="ja-JP" dirty="0" smtClean="0"/>
+              <a:t>0</a:t>
+            </a:r>
+            <a:endParaRPr kumimoji="1" lang="ja-JP" altLang="en-US" dirty="0"/>
+          </a:p>
+        </p:txBody>
+      </p:sp>
+      <p:sp>
+        <p:nvSpPr>
+          <p:cNvPr id="5" name="片側の 2 つの角を切り取った四角形 4"/>
+          <p:cNvSpPr/>
+          <p:nvPr/>
+        </p:nvSpPr>
+        <p:spPr>
+          <a:xfrm>
+            <a:off x="1232483" y="2748369"/>
+            <a:ext cx="2729248" cy="598361"/>
+          </a:xfrm>
+          <a:prstGeom prst="snip2SameRect">
+            <a:avLst>
+              <a:gd name="adj1" fmla="val 24440"/>
+              <a:gd name="adj2" fmla="val 0"/>
+            </a:avLst>
+          </a:prstGeom>
+          <a:solidFill>
+            <a:schemeClr val="bg1"/>
+          </a:solidFill>
+          <a:ln>
+            <a:solidFill>
+              <a:schemeClr val="tx1"/>
+            </a:solidFill>
+          </a:ln>
+        </p:spPr>
+        <p:style>
+          <a:lnRef idx="2">
+            <a:schemeClr val="accent1">
+              <a:shade val="50000"/>
+            </a:schemeClr>
+          </a:lnRef>
+          <a:fillRef idx="1">
+            <a:schemeClr val="accent1"/>
+          </a:fillRef>
+          <a:effectRef idx="0">
+            <a:schemeClr val="accent1"/>
+          </a:effectRef>
+          <a:fontRef idx="minor">
+            <a:schemeClr val="lt1"/>
+          </a:fontRef>
+        </p:style>
+        <p:txBody>
+          <a:bodyPr rtlCol="0" anchor="ctr"/>
+          <a:lstStyle/>
+          <a:p>
+            <a:pPr algn="ctr"/>
+            <a:r>
+              <a:rPr kumimoji="1" lang="en-US" altLang="ja-JP" dirty="0" err="1" smtClean="0">
+                <a:solidFill>
+                  <a:schemeClr val="tx1"/>
+                </a:solidFill>
+              </a:rPr>
+              <a:t>i</a:t>
+            </a:r>
+            <a:r>
+              <a:rPr kumimoji="1" lang="en-US" altLang="ja-JP" dirty="0" smtClean="0">
+                <a:solidFill>
+                  <a:schemeClr val="tx1"/>
+                </a:solidFill>
+              </a:rPr>
+              <a:t> = 1, 2, 3, … ,10000</a:t>
+            </a:r>
+            <a:endParaRPr kumimoji="1" lang="ja-JP" altLang="en-US" dirty="0">
+              <a:solidFill>
+                <a:schemeClr val="tx1"/>
+              </a:solidFill>
+            </a:endParaRPr>
+          </a:p>
+        </p:txBody>
+      </p:sp>
+      <p:sp>
+        <p:nvSpPr>
+          <p:cNvPr id="6" name="ひし形 5"/>
+          <p:cNvSpPr/>
+          <p:nvPr/>
+        </p:nvSpPr>
+        <p:spPr>
+          <a:xfrm>
+            <a:off x="1174260" y="4531390"/>
+            <a:ext cx="2845695" cy="579549"/>
+          </a:xfrm>
+          <a:prstGeom prst="diamond">
+            <a:avLst/>
+          </a:prstGeom>
+          <a:solidFill>
+            <a:schemeClr val="bg1"/>
+          </a:solidFill>
+          <a:ln>
+            <a:solidFill>
+              <a:schemeClr val="tx1"/>
+            </a:solidFill>
+          </a:ln>
+        </p:spPr>
+        <p:style>
+          <a:lnRef idx="2">
+            <a:schemeClr val="accent1">
+              <a:shade val="50000"/>
+            </a:schemeClr>
+          </a:lnRef>
+          <a:fillRef idx="1">
+            <a:schemeClr val="accent1"/>
+          </a:fillRef>
+          <a:effectRef idx="0">
+            <a:schemeClr val="accent1"/>
+          </a:effectRef>
+          <a:fontRef idx="minor">
+            <a:schemeClr val="lt1"/>
+          </a:fontRef>
+        </p:style>
+        <p:txBody>
+          <a:bodyPr rtlCol="0" anchor="ctr"/>
+          <a:lstStyle/>
+          <a:p>
+            <a:pPr algn="ctr"/>
+            <a:r>
+              <a:rPr lang="en-US" altLang="ja-JP" dirty="0" err="1" smtClean="0">
+                <a:solidFill>
+                  <a:schemeClr val="tx1"/>
+                </a:solidFill>
+              </a:rPr>
+              <a:t>i</a:t>
+            </a:r>
+            <a:r>
+              <a:rPr lang="en-US" altLang="ja-JP" dirty="0" smtClean="0">
+                <a:solidFill>
+                  <a:schemeClr val="tx1"/>
+                </a:solidFill>
+              </a:rPr>
+              <a:t> = 0</a:t>
+            </a:r>
+            <a:endParaRPr kumimoji="1" lang="ja-JP" altLang="en-US" dirty="0">
+              <a:solidFill>
+                <a:schemeClr val="tx1"/>
+              </a:solidFill>
+            </a:endParaRPr>
+          </a:p>
+        </p:txBody>
+      </p:sp>
+      <p:sp>
+        <p:nvSpPr>
+          <p:cNvPr id="7" name="テキスト ボックス 6"/>
+          <p:cNvSpPr txBox="1"/>
+          <p:nvPr/>
+        </p:nvSpPr>
+        <p:spPr>
+          <a:xfrm>
+            <a:off x="1232483" y="3510982"/>
+            <a:ext cx="2729248" cy="369332"/>
+          </a:xfrm>
+          <a:prstGeom prst="rect">
+            <a:avLst/>
+          </a:prstGeom>
+          <a:solidFill>
+            <a:schemeClr val="bg1"/>
+          </a:solidFill>
+          <a:ln>
+            <a:solidFill>
+              <a:schemeClr val="tx1"/>
+            </a:solidFill>
+          </a:ln>
+        </p:spPr>
+        <p:txBody>
+          <a:bodyPr wrap="square" rtlCol="0">
+            <a:spAutoFit/>
+          </a:bodyPr>
+          <a:lstStyle/>
+          <a:p>
+            <a:pPr algn="ctr"/>
+            <a:r>
+              <a:rPr lang="en-US" altLang="ja-JP" dirty="0" smtClean="0"/>
+              <a:t>a </a:t>
+            </a:r>
+            <a:r>
+              <a:rPr lang="ja-JP" altLang="en-US" dirty="0" smtClean="0"/>
+              <a:t>←　</a:t>
+            </a:r>
+            <a:r>
+              <a:rPr lang="en-US" altLang="ja-JP" dirty="0" err="1" smtClean="0"/>
+              <a:t>Math.random</a:t>
+            </a:r>
+            <a:r>
+              <a:rPr lang="en-US" altLang="ja-JP" dirty="0" smtClean="0"/>
+              <a:t>()</a:t>
+            </a:r>
+            <a:endParaRPr kumimoji="1" lang="ja-JP" altLang="en-US" dirty="0"/>
+          </a:p>
+        </p:txBody>
+      </p:sp>
+      <p:sp>
+        <p:nvSpPr>
+          <p:cNvPr id="8" name="テキスト ボックス 7"/>
+          <p:cNvSpPr txBox="1"/>
+          <p:nvPr/>
+        </p:nvSpPr>
+        <p:spPr>
+          <a:xfrm>
+            <a:off x="1232483" y="4021186"/>
+            <a:ext cx="2729248" cy="369332"/>
+          </a:xfrm>
+          <a:prstGeom prst="rect">
+            <a:avLst/>
+          </a:prstGeom>
+          <a:solidFill>
+            <a:schemeClr val="bg1"/>
+          </a:solidFill>
+          <a:ln>
+            <a:solidFill>
+              <a:schemeClr val="tx1"/>
+            </a:solidFill>
+          </a:ln>
+        </p:spPr>
+        <p:txBody>
+          <a:bodyPr wrap="square" rtlCol="0">
+            <a:spAutoFit/>
+          </a:bodyPr>
+          <a:lstStyle/>
+          <a:p>
+            <a:pPr algn="ctr"/>
+            <a:r>
+              <a:rPr lang="en-US" altLang="ja-JP" dirty="0"/>
+              <a:t>b</a:t>
+            </a:r>
+            <a:r>
+              <a:rPr lang="en-US" altLang="ja-JP" dirty="0" smtClean="0"/>
+              <a:t> </a:t>
+            </a:r>
+            <a:r>
+              <a:rPr lang="ja-JP" altLang="en-US" dirty="0" smtClean="0"/>
+              <a:t>←　</a:t>
+            </a:r>
+            <a:r>
+              <a:rPr lang="en-US" altLang="ja-JP" dirty="0" err="1" smtClean="0"/>
+              <a:t>Math.floor</a:t>
+            </a:r>
+            <a:r>
+              <a:rPr lang="en-US" altLang="ja-JP" dirty="0" smtClean="0"/>
+              <a:t>( a)</a:t>
+            </a:r>
+            <a:endParaRPr kumimoji="1" lang="ja-JP" altLang="en-US" dirty="0"/>
+          </a:p>
+        </p:txBody>
+      </p:sp>
+      <p:sp>
+        <p:nvSpPr>
+          <p:cNvPr id="9" name="テキスト ボックス 8"/>
+          <p:cNvSpPr txBox="1"/>
+          <p:nvPr/>
+        </p:nvSpPr>
+        <p:spPr>
+          <a:xfrm>
+            <a:off x="2094831" y="5064974"/>
+            <a:ext cx="1004553" cy="369332"/>
+          </a:xfrm>
+          <a:prstGeom prst="rect">
+            <a:avLst/>
+          </a:prstGeom>
+          <a:noFill/>
+        </p:spPr>
+        <p:txBody>
+          <a:bodyPr wrap="square" rtlCol="0">
+            <a:spAutoFit/>
+          </a:bodyPr>
+          <a:lstStyle/>
+          <a:p>
+            <a:r>
+              <a:rPr kumimoji="1" lang="en-US" altLang="ja-JP" dirty="0" smtClean="0"/>
+              <a:t>Yes</a:t>
+            </a:r>
+            <a:endParaRPr kumimoji="1" lang="ja-JP" altLang="en-US" dirty="0"/>
+          </a:p>
+        </p:txBody>
+      </p:sp>
+      <p:sp>
+        <p:nvSpPr>
+          <p:cNvPr id="10" name="テキスト ボックス 9"/>
+          <p:cNvSpPr txBox="1"/>
+          <p:nvPr/>
+        </p:nvSpPr>
+        <p:spPr>
+          <a:xfrm>
+            <a:off x="3683091" y="4299063"/>
+            <a:ext cx="1017967" cy="369332"/>
+          </a:xfrm>
+          <a:prstGeom prst="rect">
+            <a:avLst/>
+          </a:prstGeom>
+          <a:noFill/>
+        </p:spPr>
+        <p:txBody>
+          <a:bodyPr wrap="square" rtlCol="0">
+            <a:spAutoFit/>
+          </a:bodyPr>
+          <a:lstStyle/>
+          <a:p>
+            <a:r>
+              <a:rPr kumimoji="1" lang="en-US" altLang="ja-JP" dirty="0" smtClean="0"/>
+              <a:t>No</a:t>
+            </a:r>
+            <a:endParaRPr kumimoji="1" lang="ja-JP" altLang="en-US" dirty="0"/>
+          </a:p>
+        </p:txBody>
+      </p:sp>
+      <p:sp>
+        <p:nvSpPr>
+          <p:cNvPr id="11" name="テキスト ボックス 10"/>
+          <p:cNvSpPr txBox="1"/>
+          <p:nvPr/>
+        </p:nvSpPr>
+        <p:spPr>
+          <a:xfrm>
+            <a:off x="1232483" y="5459857"/>
+            <a:ext cx="2729248" cy="369332"/>
+          </a:xfrm>
+          <a:prstGeom prst="rect">
+            <a:avLst/>
+          </a:prstGeom>
+          <a:solidFill>
+            <a:schemeClr val="bg1"/>
+          </a:solidFill>
+          <a:ln>
+            <a:solidFill>
+              <a:schemeClr val="tx1"/>
+            </a:solidFill>
+          </a:ln>
+        </p:spPr>
+        <p:txBody>
+          <a:bodyPr wrap="square" rtlCol="0">
+            <a:spAutoFit/>
+          </a:bodyPr>
+          <a:lstStyle/>
+          <a:p>
+            <a:pPr algn="ctr"/>
+            <a:r>
+              <a:rPr kumimoji="1" lang="en-US" altLang="ja-JP" dirty="0" smtClean="0"/>
+              <a:t>value0  </a:t>
+            </a:r>
+            <a:r>
+              <a:rPr kumimoji="1" lang="ja-JP" altLang="en-US" dirty="0" smtClean="0"/>
+              <a:t>←　</a:t>
+            </a:r>
+            <a:r>
+              <a:rPr kumimoji="1" lang="en-US" altLang="ja-JP" dirty="0" smtClean="0"/>
+              <a:t>0</a:t>
+            </a:r>
+            <a:endParaRPr kumimoji="1" lang="ja-JP" altLang="en-US" dirty="0"/>
+          </a:p>
+        </p:txBody>
+      </p:sp>
+      <p:sp>
+        <p:nvSpPr>
+          <p:cNvPr id="12" name="円/楕円 11"/>
+          <p:cNvSpPr/>
+          <p:nvPr/>
+        </p:nvSpPr>
+        <p:spPr>
+          <a:xfrm>
+            <a:off x="2416803" y="6270234"/>
+            <a:ext cx="360608" cy="360608"/>
+          </a:xfrm>
+          <a:prstGeom prst="ellipse">
+            <a:avLst/>
+          </a:prstGeom>
+          <a:solidFill>
+            <a:schemeClr val="bg1"/>
+          </a:solidFill>
+          <a:ln>
+            <a:solidFill>
+              <a:schemeClr val="tx1"/>
+            </a:solidFill>
+          </a:ln>
+        </p:spPr>
+        <p:style>
+          <a:lnRef idx="2">
+            <a:schemeClr val="accent1">
+              <a:shade val="50000"/>
+            </a:schemeClr>
+          </a:lnRef>
+          <a:fillRef idx="1">
+            <a:schemeClr val="accent1"/>
+          </a:fillRef>
+          <a:effectRef idx="0">
+            <a:schemeClr val="accent1"/>
+          </a:effectRef>
+          <a:fontRef idx="minor">
+            <a:schemeClr val="lt1"/>
+          </a:fontRef>
+        </p:style>
+        <p:txBody>
+          <a:bodyPr rtlCol="0" anchor="ctr"/>
+          <a:lstStyle/>
+          <a:p>
+            <a:pPr algn="ctr"/>
+            <a:r>
+              <a:rPr kumimoji="1" lang="en-US" altLang="ja-JP" dirty="0" smtClean="0">
+                <a:solidFill>
+                  <a:schemeClr val="tx1"/>
+                </a:solidFill>
+              </a:rPr>
+              <a:t>1</a:t>
+            </a:r>
+            <a:endParaRPr kumimoji="1" lang="ja-JP" altLang="en-US" dirty="0">
+              <a:solidFill>
+                <a:schemeClr val="tx1"/>
+              </a:solidFill>
+            </a:endParaRPr>
+          </a:p>
+        </p:txBody>
+      </p:sp>
+      <p:cxnSp>
+        <p:nvCxnSpPr>
+          <p:cNvPr id="20" name="カギ線コネクタ 19"/>
+          <p:cNvCxnSpPr>
+            <a:stCxn id="6" idx="3"/>
+            <a:endCxn id="12" idx="0"/>
+          </p:cNvCxnSpPr>
+          <p:nvPr/>
+        </p:nvCxnSpPr>
+        <p:spPr>
+          <a:xfrm flipH="1">
+            <a:off x="2597107" y="4821165"/>
+            <a:ext cx="1422848" cy="1449069"/>
+          </a:xfrm>
+          <a:prstGeom prst="bentConnector4">
+            <a:avLst>
+              <a:gd name="adj1" fmla="val -16066"/>
+              <a:gd name="adj2" fmla="val 84885"/>
+            </a:avLst>
+          </a:prstGeom>
+          <a:ln>
+            <a:solidFill>
+              <a:schemeClr val="tx1"/>
+            </a:solidFill>
+            <a:tailEnd type="triangle"/>
+          </a:ln>
+        </p:spPr>
+        <p:style>
+          <a:lnRef idx="1">
+            <a:schemeClr val="accent1"/>
+          </a:lnRef>
+          <a:fillRef idx="0">
+            <a:schemeClr val="accent1"/>
+          </a:fillRef>
+          <a:effectRef idx="0">
+            <a:schemeClr val="accent1"/>
+          </a:effectRef>
+          <a:fontRef idx="minor">
+            <a:schemeClr val="tx1"/>
+          </a:fontRef>
+        </p:style>
+      </p:cxnSp>
+      <p:sp>
+        <p:nvSpPr>
+          <p:cNvPr id="13" name="円/楕円 12"/>
+          <p:cNvSpPr/>
+          <p:nvPr/>
+        </p:nvSpPr>
+        <p:spPr>
+          <a:xfrm>
+            <a:off x="6859406" y="1576665"/>
+            <a:ext cx="360608" cy="360608"/>
+          </a:xfrm>
+          <a:prstGeom prst="ellipse">
+            <a:avLst/>
+          </a:prstGeom>
+          <a:solidFill>
+            <a:schemeClr val="bg1"/>
+          </a:solidFill>
+          <a:ln>
+            <a:solidFill>
+              <a:schemeClr val="tx1"/>
+            </a:solidFill>
+          </a:ln>
+        </p:spPr>
+        <p:style>
+          <a:lnRef idx="2">
+            <a:schemeClr val="accent1">
+              <a:shade val="50000"/>
+            </a:schemeClr>
+          </a:lnRef>
+          <a:fillRef idx="1">
+            <a:schemeClr val="accent1"/>
+          </a:fillRef>
+          <a:effectRef idx="0">
+            <a:schemeClr val="accent1"/>
+          </a:effectRef>
+          <a:fontRef idx="minor">
+            <a:schemeClr val="lt1"/>
+          </a:fontRef>
+        </p:style>
+        <p:txBody>
+          <a:bodyPr rtlCol="0" anchor="ctr"/>
+          <a:lstStyle/>
+          <a:p>
+            <a:pPr algn="ctr"/>
+            <a:r>
+              <a:rPr kumimoji="1" lang="en-US" altLang="ja-JP" dirty="0" smtClean="0">
+                <a:solidFill>
+                  <a:schemeClr val="tx1"/>
+                </a:solidFill>
+              </a:rPr>
+              <a:t>1</a:t>
+            </a:r>
+            <a:endParaRPr kumimoji="1" lang="ja-JP" altLang="en-US" dirty="0">
+              <a:solidFill>
+                <a:schemeClr val="tx1"/>
+              </a:solidFill>
+            </a:endParaRPr>
+          </a:p>
+        </p:txBody>
+      </p:sp>
+      <p:sp>
+        <p:nvSpPr>
+          <p:cNvPr id="25" name="角丸四角形 24"/>
+          <p:cNvSpPr/>
+          <p:nvPr/>
+        </p:nvSpPr>
+        <p:spPr>
+          <a:xfrm>
+            <a:off x="5880246" y="5330117"/>
+            <a:ext cx="2279561" cy="431163"/>
+          </a:xfrm>
+          <a:prstGeom prst="roundRect">
+            <a:avLst>
+              <a:gd name="adj" fmla="val 50000"/>
+            </a:avLst>
+          </a:prstGeom>
+          <a:solidFill>
+            <a:schemeClr val="bg1"/>
+          </a:solidFill>
+          <a:ln>
+            <a:solidFill>
+              <a:schemeClr val="tx1"/>
+            </a:solidFill>
+          </a:ln>
+        </p:spPr>
+        <p:style>
+          <a:lnRef idx="2">
+            <a:schemeClr val="accent1">
+              <a:shade val="50000"/>
+            </a:schemeClr>
+          </a:lnRef>
+          <a:fillRef idx="1">
+            <a:schemeClr val="accent1"/>
+          </a:fillRef>
+          <a:effectRef idx="0">
+            <a:schemeClr val="accent1"/>
+          </a:effectRef>
+          <a:fontRef idx="minor">
+            <a:schemeClr val="lt1"/>
+          </a:fontRef>
+        </p:style>
+        <p:txBody>
+          <a:bodyPr rtlCol="0" anchor="ctr"/>
+          <a:lstStyle/>
+          <a:p>
+            <a:pPr algn="ctr"/>
+            <a:r>
+              <a:rPr kumimoji="1" lang="en-US" altLang="ja-JP" dirty="0" smtClean="0">
+                <a:solidFill>
+                  <a:schemeClr val="tx1"/>
+                </a:solidFill>
+              </a:rPr>
+              <a:t>End</a:t>
+            </a:r>
+            <a:endParaRPr kumimoji="1" lang="ja-JP" altLang="en-US" dirty="0">
+              <a:solidFill>
+                <a:schemeClr val="tx1"/>
+              </a:solidFill>
+            </a:endParaRPr>
+          </a:p>
+        </p:txBody>
+      </p:sp>
+      <p:cxnSp>
+        <p:nvCxnSpPr>
+          <p:cNvPr id="28" name="直線矢印コネクタ 27"/>
+          <p:cNvCxnSpPr>
+            <a:stCxn id="13" idx="4"/>
+          </p:cNvCxnSpPr>
+          <p:nvPr/>
+        </p:nvCxnSpPr>
+        <p:spPr>
+          <a:xfrm>
+            <a:off x="7039710" y="1937273"/>
+            <a:ext cx="1" cy="1883731"/>
+          </a:xfrm>
+          <a:prstGeom prst="straightConnector1">
+            <a:avLst/>
+          </a:prstGeom>
+          <a:ln w="12700">
+            <a:solidFill>
+              <a:schemeClr val="tx1"/>
+            </a:solidFill>
+            <a:tailEnd type="triangle"/>
+          </a:ln>
+        </p:spPr>
+        <p:style>
+          <a:lnRef idx="1">
+            <a:schemeClr val="accent1"/>
+          </a:lnRef>
+          <a:fillRef idx="0">
+            <a:schemeClr val="accent1"/>
+          </a:fillRef>
+          <a:effectRef idx="0">
+            <a:schemeClr val="accent1"/>
+          </a:effectRef>
+          <a:fontRef idx="minor">
+            <a:schemeClr val="tx1"/>
+          </a:fontRef>
+        </p:style>
+      </p:cxnSp>
+      <p:sp>
+        <p:nvSpPr>
+          <p:cNvPr id="21" name="ひし形 20"/>
+          <p:cNvSpPr/>
+          <p:nvPr/>
+        </p:nvSpPr>
+        <p:spPr>
+          <a:xfrm>
+            <a:off x="5616866" y="2082160"/>
+            <a:ext cx="2845695" cy="579549"/>
+          </a:xfrm>
+          <a:prstGeom prst="diamond">
+            <a:avLst/>
+          </a:prstGeom>
+          <a:solidFill>
+            <a:schemeClr val="bg1"/>
+          </a:solidFill>
+          <a:ln>
+            <a:solidFill>
+              <a:schemeClr val="tx1"/>
+            </a:solidFill>
+          </a:ln>
+        </p:spPr>
+        <p:style>
+          <a:lnRef idx="2">
+            <a:schemeClr val="accent1">
+              <a:shade val="50000"/>
+            </a:schemeClr>
+          </a:lnRef>
+          <a:fillRef idx="1">
+            <a:schemeClr val="accent1"/>
+          </a:fillRef>
+          <a:effectRef idx="0">
+            <a:schemeClr val="accent1"/>
+          </a:effectRef>
+          <a:fontRef idx="minor">
+            <a:schemeClr val="lt1"/>
+          </a:fontRef>
+        </p:style>
+        <p:txBody>
+          <a:bodyPr rtlCol="0" anchor="ctr"/>
+          <a:lstStyle/>
+          <a:p>
+            <a:pPr algn="ctr"/>
+            <a:r>
+              <a:rPr lang="en-US" altLang="ja-JP" dirty="0" err="1" smtClean="0">
+                <a:solidFill>
+                  <a:schemeClr val="tx1"/>
+                </a:solidFill>
+              </a:rPr>
+              <a:t>i</a:t>
+            </a:r>
+            <a:r>
+              <a:rPr lang="en-US" altLang="ja-JP" dirty="0" smtClean="0">
+                <a:solidFill>
+                  <a:schemeClr val="tx1"/>
+                </a:solidFill>
+              </a:rPr>
+              <a:t> = 1</a:t>
+            </a:r>
+            <a:endParaRPr kumimoji="1" lang="ja-JP" altLang="en-US" dirty="0">
+              <a:solidFill>
+                <a:schemeClr val="tx1"/>
+              </a:solidFill>
+            </a:endParaRPr>
+          </a:p>
+        </p:txBody>
+      </p:sp>
+      <p:sp>
+        <p:nvSpPr>
+          <p:cNvPr id="22" name="テキスト ボックス 21"/>
+          <p:cNvSpPr txBox="1"/>
+          <p:nvPr/>
+        </p:nvSpPr>
+        <p:spPr>
+          <a:xfrm>
+            <a:off x="6537437" y="2615744"/>
+            <a:ext cx="1004553" cy="369332"/>
+          </a:xfrm>
+          <a:prstGeom prst="rect">
+            <a:avLst/>
+          </a:prstGeom>
+          <a:noFill/>
+        </p:spPr>
+        <p:txBody>
+          <a:bodyPr wrap="square" rtlCol="0">
+            <a:spAutoFit/>
+          </a:bodyPr>
+          <a:lstStyle/>
+          <a:p>
+            <a:r>
+              <a:rPr kumimoji="1" lang="en-US" altLang="ja-JP" dirty="0" smtClean="0"/>
+              <a:t>Yes</a:t>
+            </a:r>
+            <a:endParaRPr kumimoji="1" lang="ja-JP" altLang="en-US" dirty="0"/>
+          </a:p>
+        </p:txBody>
+      </p:sp>
+      <p:sp>
+        <p:nvSpPr>
+          <p:cNvPr id="23" name="テキスト ボックス 22"/>
+          <p:cNvSpPr txBox="1"/>
+          <p:nvPr/>
+        </p:nvSpPr>
+        <p:spPr>
+          <a:xfrm>
+            <a:off x="8204716" y="2002602"/>
+            <a:ext cx="1017967" cy="369332"/>
+          </a:xfrm>
+          <a:prstGeom prst="rect">
+            <a:avLst/>
+          </a:prstGeom>
+          <a:noFill/>
+        </p:spPr>
+        <p:txBody>
+          <a:bodyPr wrap="square" rtlCol="0">
+            <a:spAutoFit/>
+          </a:bodyPr>
+          <a:lstStyle/>
+          <a:p>
+            <a:r>
+              <a:rPr kumimoji="1" lang="en-US" altLang="ja-JP" dirty="0" smtClean="0"/>
+              <a:t>No</a:t>
+            </a:r>
+            <a:endParaRPr kumimoji="1" lang="ja-JP" altLang="en-US" dirty="0"/>
+          </a:p>
+        </p:txBody>
+      </p:sp>
+      <p:sp>
+        <p:nvSpPr>
+          <p:cNvPr id="27" name="テキスト ボックス 26"/>
+          <p:cNvSpPr txBox="1"/>
+          <p:nvPr/>
+        </p:nvSpPr>
+        <p:spPr>
+          <a:xfrm>
+            <a:off x="5675089" y="3010627"/>
+            <a:ext cx="2729248" cy="369332"/>
+          </a:xfrm>
+          <a:prstGeom prst="rect">
+            <a:avLst/>
+          </a:prstGeom>
+          <a:solidFill>
+            <a:schemeClr val="bg1"/>
+          </a:solidFill>
+          <a:ln>
+            <a:solidFill>
+              <a:schemeClr val="tx1"/>
+            </a:solidFill>
+          </a:ln>
+        </p:spPr>
+        <p:txBody>
+          <a:bodyPr wrap="square" rtlCol="0">
+            <a:spAutoFit/>
+          </a:bodyPr>
+          <a:lstStyle/>
+          <a:p>
+            <a:pPr algn="ctr"/>
+            <a:r>
+              <a:rPr kumimoji="1" lang="en-US" altLang="ja-JP" dirty="0" smtClean="0"/>
+              <a:t>value1  </a:t>
+            </a:r>
+            <a:r>
+              <a:rPr kumimoji="1" lang="ja-JP" altLang="en-US" dirty="0" smtClean="0"/>
+              <a:t>←　</a:t>
+            </a:r>
+            <a:r>
+              <a:rPr kumimoji="1" lang="en-US" altLang="ja-JP" dirty="0" smtClean="0"/>
+              <a:t>0</a:t>
+            </a:r>
+            <a:endParaRPr kumimoji="1" lang="ja-JP" altLang="en-US" dirty="0"/>
+          </a:p>
+        </p:txBody>
+      </p:sp>
+      <p:cxnSp>
+        <p:nvCxnSpPr>
+          <p:cNvPr id="30" name="カギ線コネクタ 29"/>
+          <p:cNvCxnSpPr>
+            <a:stCxn id="21" idx="3"/>
+          </p:cNvCxnSpPr>
+          <p:nvPr/>
+        </p:nvCxnSpPr>
+        <p:spPr>
+          <a:xfrm flipH="1">
+            <a:off x="7039713" y="2371935"/>
+            <a:ext cx="1422848" cy="1449069"/>
+          </a:xfrm>
+          <a:prstGeom prst="bentConnector4">
+            <a:avLst>
+              <a:gd name="adj1" fmla="val -16066"/>
+              <a:gd name="adj2" fmla="val 84885"/>
+            </a:avLst>
+          </a:prstGeom>
+          <a:ln>
+            <a:solidFill>
+              <a:schemeClr val="tx1"/>
+            </a:solidFill>
+            <a:tailEnd type="triangle"/>
+          </a:ln>
+        </p:spPr>
+        <p:style>
+          <a:lnRef idx="1">
+            <a:schemeClr val="accent1"/>
+          </a:lnRef>
+          <a:fillRef idx="0">
+            <a:schemeClr val="accent1"/>
+          </a:fillRef>
+          <a:effectRef idx="0">
+            <a:schemeClr val="accent1"/>
+          </a:effectRef>
+          <a:fontRef idx="minor">
+            <a:schemeClr val="tx1"/>
+          </a:fontRef>
+        </p:style>
+      </p:cxnSp>
+      <p:sp>
+        <p:nvSpPr>
+          <p:cNvPr id="34" name="テキスト ボックス 33"/>
+          <p:cNvSpPr txBox="1"/>
+          <p:nvPr/>
+        </p:nvSpPr>
+        <p:spPr>
+          <a:xfrm>
+            <a:off x="1229869" y="2332703"/>
+            <a:ext cx="2729248" cy="369332"/>
+          </a:xfrm>
+          <a:prstGeom prst="rect">
+            <a:avLst/>
+          </a:prstGeom>
+          <a:solidFill>
+            <a:schemeClr val="bg1"/>
+          </a:solidFill>
+          <a:ln>
+            <a:solidFill>
+              <a:schemeClr val="tx1"/>
+            </a:solidFill>
+          </a:ln>
+        </p:spPr>
+        <p:txBody>
+          <a:bodyPr wrap="square" rtlCol="0">
+            <a:spAutoFit/>
+          </a:bodyPr>
+          <a:lstStyle/>
+          <a:p>
+            <a:pPr algn="ctr"/>
+            <a:r>
+              <a:rPr kumimoji="1" lang="en-US" altLang="ja-JP" dirty="0" smtClean="0"/>
+              <a:t>value1  </a:t>
+            </a:r>
+            <a:r>
+              <a:rPr kumimoji="1" lang="ja-JP" altLang="en-US" dirty="0" smtClean="0"/>
+              <a:t>←　</a:t>
+            </a:r>
+            <a:r>
+              <a:rPr kumimoji="1" lang="en-US" altLang="ja-JP" dirty="0" smtClean="0"/>
+              <a:t>0</a:t>
+            </a:r>
+            <a:endParaRPr kumimoji="1" lang="ja-JP" altLang="en-US" dirty="0"/>
+          </a:p>
+        </p:txBody>
+      </p:sp>
+      <p:cxnSp>
+        <p:nvCxnSpPr>
+          <p:cNvPr id="38" name="直線矢印コネクタ 37"/>
+          <p:cNvCxnSpPr>
+            <a:stCxn id="39" idx="4"/>
+            <a:endCxn id="25" idx="0"/>
+          </p:cNvCxnSpPr>
+          <p:nvPr/>
+        </p:nvCxnSpPr>
+        <p:spPr>
+          <a:xfrm flipH="1">
+            <a:off x="7020027" y="4268700"/>
+            <a:ext cx="19686" cy="1061417"/>
+          </a:xfrm>
+          <a:prstGeom prst="straightConnector1">
+            <a:avLst/>
+          </a:prstGeom>
+          <a:ln w="12700">
+            <a:solidFill>
+              <a:schemeClr val="tx1"/>
+            </a:solidFill>
+            <a:tailEnd type="triangle"/>
+          </a:ln>
+        </p:spPr>
+        <p:style>
+          <a:lnRef idx="1">
+            <a:schemeClr val="accent1"/>
+          </a:lnRef>
+          <a:fillRef idx="0">
+            <a:schemeClr val="accent1"/>
+          </a:fillRef>
+          <a:effectRef idx="0">
+            <a:schemeClr val="accent1"/>
+          </a:effectRef>
+          <a:fontRef idx="minor">
+            <a:schemeClr val="tx1"/>
+          </a:fontRef>
+        </p:style>
+      </p:cxnSp>
+      <p:sp>
+        <p:nvSpPr>
+          <p:cNvPr id="39" name="平行四辺形 38"/>
+          <p:cNvSpPr/>
+          <p:nvPr/>
+        </p:nvSpPr>
+        <p:spPr>
+          <a:xfrm>
+            <a:off x="5675089" y="3728387"/>
+            <a:ext cx="2729248" cy="540313"/>
+          </a:xfrm>
+          <a:prstGeom prst="parallelogram">
+            <a:avLst/>
+          </a:prstGeom>
+          <a:solidFill>
+            <a:schemeClr val="bg1"/>
+          </a:solidFill>
+          <a:ln>
+            <a:solidFill>
+              <a:schemeClr val="tx1"/>
+            </a:solidFill>
+          </a:ln>
+        </p:spPr>
+        <p:style>
+          <a:lnRef idx="2">
+            <a:schemeClr val="accent1">
+              <a:shade val="50000"/>
+            </a:schemeClr>
+          </a:lnRef>
+          <a:fillRef idx="1">
+            <a:schemeClr val="accent1"/>
+          </a:fillRef>
+          <a:effectRef idx="0">
+            <a:schemeClr val="accent1"/>
+          </a:effectRef>
+          <a:fontRef idx="minor">
+            <a:schemeClr val="lt1"/>
+          </a:fontRef>
+        </p:style>
+        <p:txBody>
+          <a:bodyPr rtlCol="0" anchor="ctr"/>
+          <a:lstStyle/>
+          <a:p>
+            <a:pPr algn="ctr"/>
+            <a:r>
+              <a:rPr lang="en-US" altLang="ja-JP" dirty="0" smtClean="0">
+                <a:solidFill>
+                  <a:schemeClr val="tx1"/>
+                </a:solidFill>
+              </a:rPr>
+              <a:t>alert( value0 /  10000 )</a:t>
+            </a:r>
+            <a:endParaRPr kumimoji="1" lang="ja-JP" altLang="en-US" dirty="0">
+              <a:solidFill>
+                <a:schemeClr val="tx1"/>
+              </a:solidFill>
+            </a:endParaRPr>
+          </a:p>
+        </p:txBody>
+      </p:sp>
+      <p:sp>
+        <p:nvSpPr>
+          <p:cNvPr id="40" name="平行四辺形 39"/>
+          <p:cNvSpPr/>
+          <p:nvPr/>
+        </p:nvSpPr>
+        <p:spPr>
+          <a:xfrm>
+            <a:off x="5675089" y="4483729"/>
+            <a:ext cx="2729248" cy="540313"/>
+          </a:xfrm>
+          <a:prstGeom prst="parallelogram">
+            <a:avLst/>
+          </a:prstGeom>
+          <a:solidFill>
+            <a:schemeClr val="bg1"/>
+          </a:solidFill>
+          <a:ln>
+            <a:solidFill>
+              <a:schemeClr val="tx1"/>
+            </a:solidFill>
+          </a:ln>
+        </p:spPr>
+        <p:style>
+          <a:lnRef idx="2">
+            <a:schemeClr val="accent1">
+              <a:shade val="50000"/>
+            </a:schemeClr>
+          </a:lnRef>
+          <a:fillRef idx="1">
+            <a:schemeClr val="accent1"/>
+          </a:fillRef>
+          <a:effectRef idx="0">
+            <a:schemeClr val="accent1"/>
+          </a:effectRef>
+          <a:fontRef idx="minor">
+            <a:schemeClr val="lt1"/>
+          </a:fontRef>
+        </p:style>
+        <p:txBody>
+          <a:bodyPr rtlCol="0" anchor="ctr"/>
+          <a:lstStyle/>
+          <a:p>
+            <a:pPr algn="ctr"/>
+            <a:r>
+              <a:rPr lang="en-US" altLang="ja-JP" dirty="0" smtClean="0">
+                <a:solidFill>
+                  <a:schemeClr val="tx1"/>
+                </a:solidFill>
+              </a:rPr>
+              <a:t>alert( value1 /  10000 )</a:t>
+            </a:r>
+            <a:endParaRPr kumimoji="1" lang="ja-JP" altLang="en-US" dirty="0">
+              <a:solidFill>
+                <a:schemeClr val="tx1"/>
+              </a:solidFill>
+            </a:endParaRPr>
+          </a:p>
+        </p:txBody>
+      </p:sp>
+    </p:spTree>
+    <p:extLst>
+      <p:ext uri="{BB962C8B-B14F-4D97-AF65-F5344CB8AC3E}">
+        <p14:creationId xmlns:p14="http://schemas.microsoft.com/office/powerpoint/2010/main" val="858932902"/>
+      </p:ext>
+    </p:extLst>
+  </p:cSld>
+  <p:clrMapOvr>
+    <a:masterClrMapping/>
+  </p:clrMapOvr>
+</p:sld>
+</file>
+
 <file path=ppt/theme/theme1.xml><?xml version="1.0" encoding="utf-8"?>
 <a:theme xmlns:a="http://schemas.openxmlformats.org/drawingml/2006/main" name="Office テーマ">
   <a:themeElements>
